--- a/Project One - Burk.pptx
+++ b/Project One - Burk.pptx
@@ -17,8 +17,8 @@
     <p:sldId id="262" r:id="rId7"/>
     <p:sldId id="264" r:id="rId8"/>
     <p:sldId id="261" r:id="rId9"/>
-    <p:sldId id="263" r:id="rId10"/>
-    <p:sldId id="266" r:id="rId11"/>
+    <p:sldId id="266" r:id="rId10"/>
+    <p:sldId id="263" r:id="rId11"/>
     <p:sldId id="265" r:id="rId12"/>
     <p:sldId id="260" r:id="rId13"/>
     <p:sldId id="267" r:id="rId14"/>
@@ -14708,7 +14708,7 @@
           <p:cNvPr id="2" name="Title 1">
             <a:extLst>
               <a:ext uri="{FF2B5EF4-FFF2-40B4-BE49-F238E27FC236}">
-                <a16:creationId xmlns:a16="http://schemas.microsoft.com/office/drawing/2014/main" id="{BB1A9DCD-3406-496C-93AF-11B3ECD979D8}"/>
+                <a16:creationId xmlns:a16="http://schemas.microsoft.com/office/drawing/2014/main" id="{6A2D85F1-FCAE-469D-9666-D87474F26411}"/>
               </a:ext>
             </a:extLst>
           </p:cNvPr>
@@ -14726,17 +14726,17 @@
           <a:p>
             <a:r>
               <a:rPr lang="en-US" dirty="0"/>
-              <a:t>Histogram of ABV Means</a:t>
+              <a:t>Histogram of ABVs</a:t>
             </a:r>
           </a:p>
         </p:txBody>
       </p:sp>
       <p:pic>
         <p:nvPicPr>
-          <p:cNvPr id="5" name="Content Placeholder 4" descr="A picture containing drawing&#10;&#10;Description automatically generated">
+          <p:cNvPr id="9" name="Content Placeholder 8" descr="A close up of a logo&#10;&#10;Description automatically generated">
             <a:extLst>
               <a:ext uri="{FF2B5EF4-FFF2-40B4-BE49-F238E27FC236}">
-                <a16:creationId xmlns:a16="http://schemas.microsoft.com/office/drawing/2014/main" id="{7EC17A80-417D-4F43-AC43-04FACE5FAE09}"/>
+                <a16:creationId xmlns:a16="http://schemas.microsoft.com/office/drawing/2014/main" id="{AC2924C7-5D50-4E9E-9D6D-262A351444B3}"/>
               </a:ext>
             </a:extLst>
           </p:cNvPr>
@@ -14761,15 +14761,15 @@
         </p:blipFill>
         <p:spPr>
           <a:xfrm>
-            <a:off x="2000549" y="2594786"/>
-            <a:ext cx="8190903" cy="3281082"/>
+            <a:off x="1954624" y="2557463"/>
+            <a:ext cx="8282752" cy="3317875"/>
           </a:xfrm>
         </p:spPr>
       </p:pic>
     </p:spTree>
     <p:extLst>
       <p:ext uri="{BB962C8B-B14F-4D97-AF65-F5344CB8AC3E}">
-        <p14:creationId xmlns:p14="http://schemas.microsoft.com/office/powerpoint/2010/main" val="34741619"/>
+        <p14:creationId xmlns:p14="http://schemas.microsoft.com/office/powerpoint/2010/main" val="3480950754"/>
       </p:ext>
     </p:extLst>
   </p:cSld>
@@ -14801,7 +14801,7 @@
           <p:cNvPr id="2" name="Title 1">
             <a:extLst>
               <a:ext uri="{FF2B5EF4-FFF2-40B4-BE49-F238E27FC236}">
-                <a16:creationId xmlns:a16="http://schemas.microsoft.com/office/drawing/2014/main" id="{6A2D85F1-FCAE-469D-9666-D87474F26411}"/>
+                <a16:creationId xmlns:a16="http://schemas.microsoft.com/office/drawing/2014/main" id="{BB1A9DCD-3406-496C-93AF-11B3ECD979D8}"/>
               </a:ext>
             </a:extLst>
           </p:cNvPr>
@@ -14819,17 +14819,17 @@
           <a:p>
             <a:r>
               <a:rPr lang="en-US" dirty="0"/>
-              <a:t>Histogram of ABVs</a:t>
+              <a:t>Histogram of ABV Means</a:t>
             </a:r>
           </a:p>
         </p:txBody>
       </p:sp>
       <p:pic>
         <p:nvPicPr>
-          <p:cNvPr id="9" name="Content Placeholder 8" descr="A close up of a logo&#10;&#10;Description automatically generated">
+          <p:cNvPr id="5" name="Content Placeholder 4" descr="A picture containing drawing&#10;&#10;Description automatically generated">
             <a:extLst>
               <a:ext uri="{FF2B5EF4-FFF2-40B4-BE49-F238E27FC236}">
-                <a16:creationId xmlns:a16="http://schemas.microsoft.com/office/drawing/2014/main" id="{AC2924C7-5D50-4E9E-9D6D-262A351444B3}"/>
+                <a16:creationId xmlns:a16="http://schemas.microsoft.com/office/drawing/2014/main" id="{7EC17A80-417D-4F43-AC43-04FACE5FAE09}"/>
               </a:ext>
             </a:extLst>
           </p:cNvPr>
@@ -14854,15 +14854,15 @@
         </p:blipFill>
         <p:spPr>
           <a:xfrm>
-            <a:off x="1954624" y="2557463"/>
-            <a:ext cx="8282752" cy="3317875"/>
+            <a:off x="2000549" y="2594786"/>
+            <a:ext cx="8190903" cy="3281082"/>
           </a:xfrm>
         </p:spPr>
       </p:pic>
     </p:spTree>
     <p:extLst>
       <p:ext uri="{BB962C8B-B14F-4D97-AF65-F5344CB8AC3E}">
-        <p14:creationId xmlns:p14="http://schemas.microsoft.com/office/powerpoint/2010/main" val="3480950754"/>
+        <p14:creationId xmlns:p14="http://schemas.microsoft.com/office/powerpoint/2010/main" val="34741619"/>
       </p:ext>
     </p:extLst>
   </p:cSld>
@@ -15810,29 +15810,29 @@
 </file>
 
 <file path=customXml/item1.xml><?xml version="1.0" encoding="utf-8"?>
+<sisl xmlns:xsi="http://www.w3.org/2001/XMLSchema-instance" xmlns:xsd="http://www.w3.org/2001/XMLSchema" xmlns="http://www.boldonjames.com/2008/01/sie/internal/label" sislVersion="0" policy="cde53ac1-bf5f-4aae-9cf1-07509e23a4b0" origin="userSelected"/>
+</file>
+
+<file path=customXml/item2.xml><?xml version="1.0" encoding="utf-8"?>
 <WrappedLabelHistory xmlns:xsi="http://www.w3.org/2001/XMLSchema-instance" xmlns:xsd="http://www.w3.org/2001/XMLSchema" xmlns="http://www.boldonjames.com/2016/02/Classifier/internal/wrappedLabelHistory">
   <Value>PD94bWwgdmVyc2lvbj0iMS4wIiBlbmNvZGluZz0idXMtYXNjaWkiPz48bGFiZWxIaXN0b3J5IHhtbG5zOnhzaT0iaHR0cDovL3d3dy53My5vcmcvMjAwMS9YTUxTY2hlbWEtaW5zdGFuY2UiIHhtbG5zOnhzZD0iaHR0cDovL3d3dy53My5vcmcvMjAwMS9YTUxTY2hlbWEiIHhtbG5zPSJodHRwOi8vd3d3LmJvbGRvbmphbWVzLmNvbS8yMDE2LzAyL0NsYXNzaWZpZXIvaW50ZXJuYWwvbGFiZWxIaXN0b3J5Ij48aXRlbT48c2lzbCBzaXNsVmVyc2lvbj0iMCIgcG9saWN5PSJjZGU1M2FjMS1iZjVmLTRhYWUtOWNmMS0wNzUwOWUyM2E0YjAiIG9yaWdpbj0idXNlclNlbGVjdGVkIiAvPjxVc2VyTmFtZT5VU1wxMDgzMzU5PC9Vc2VyTmFtZT48RGF0ZVRpbWU+OS8xMS8yMDE5IDY6MzM6NDAgQU08L0RhdGVUaW1lPjxMYWJlbFN0cmluZz5UaGlzIGFydGlmYWN0IGhhcyBubyBjbGFzc2lmaWNhdGlvbi48L0xhYmVsU3RyaW5nPjwvaXRlbT48L2xhYmVsSGlzdG9yeT4=</Value>
 </WrappedLabelHistory>
 </file>
 
-<file path=customXml/item2.xml><?xml version="1.0" encoding="utf-8"?>
-<sisl xmlns:xsi="http://www.w3.org/2001/XMLSchema-instance" xmlns:xsd="http://www.w3.org/2001/XMLSchema" xmlns="http://www.boldonjames.com/2008/01/sie/internal/label" sislVersion="0" policy="cde53ac1-bf5f-4aae-9cf1-07509e23a4b0" origin="userSelected"/>
+<file path=customXml/itemProps1.xml><?xml version="1.0" encoding="utf-8"?>
+<ds:datastoreItem xmlns:ds="http://schemas.openxmlformats.org/officeDocument/2006/customXml" ds:itemID="{CDBEA8BE-6F4C-4BFA-A106-D83C5D5EA28B}">
+  <ds:schemaRefs>
+    <ds:schemaRef ds:uri="http://www.w3.org/2001/XMLSchema"/>
+    <ds:schemaRef ds:uri="http://www.boldonjames.com/2008/01/sie/internal/label"/>
+  </ds:schemaRefs>
+</ds:datastoreItem>
 </file>
 
-<file path=customXml/itemProps1.xml><?xml version="1.0" encoding="utf-8"?>
+<file path=customXml/itemProps2.xml><?xml version="1.0" encoding="utf-8"?>
 <ds:datastoreItem xmlns:ds="http://schemas.openxmlformats.org/officeDocument/2006/customXml" ds:itemID="{3256B4CB-D218-41AD-BA4F-2F6EEC9935BA}">
   <ds:schemaRefs>
     <ds:schemaRef ds:uri="http://www.w3.org/2001/XMLSchema"/>
     <ds:schemaRef ds:uri="http://www.boldonjames.com/2016/02/Classifier/internal/wrappedLabelHistory"/>
   </ds:schemaRefs>
 </ds:datastoreItem>
-</file>
-
-<file path=customXml/itemProps2.xml><?xml version="1.0" encoding="utf-8"?>
-<ds:datastoreItem xmlns:ds="http://schemas.openxmlformats.org/officeDocument/2006/customXml" ds:itemID="{CDBEA8BE-6F4C-4BFA-A106-D83C5D5EA28B}">
-  <ds:schemaRefs>
-    <ds:schemaRef ds:uri="http://www.w3.org/2001/XMLSchema"/>
-    <ds:schemaRef ds:uri="http://www.boldonjames.com/2008/01/sie/internal/label"/>
-  </ds:schemaRefs>
-</ds:datastoreItem>
 </file>